--- a/My Resume.pptx
+++ b/My Resume.pptx
@@ -255,7 +255,7 @@
             <a:fld id="{BAEC5F40-859A-4D8D-8FD8-9B9C6CC4AFF0}" type="datetimeFigureOut">
               <a:rPr lang="en-US" smtClean="0"/>
               <a:pPr/>
-              <a:t>3/28/2024</a:t>
+              <a:t>8/9/2024</a:t>
             </a:fld>
             <a:endParaRPr lang="en-US"/>
           </a:p>
@@ -427,7 +427,7 @@
             <a:fld id="{BAEC5F40-859A-4D8D-8FD8-9B9C6CC4AFF0}" type="datetimeFigureOut">
               <a:rPr lang="en-US" smtClean="0"/>
               <a:pPr/>
-              <a:t>3/28/2024</a:t>
+              <a:t>8/9/2024</a:t>
             </a:fld>
             <a:endParaRPr lang="en-US"/>
           </a:p>
@@ -609,7 +609,7 @@
             <a:fld id="{BAEC5F40-859A-4D8D-8FD8-9B9C6CC4AFF0}" type="datetimeFigureOut">
               <a:rPr lang="en-US" smtClean="0"/>
               <a:pPr/>
-              <a:t>3/28/2024</a:t>
+              <a:t>8/9/2024</a:t>
             </a:fld>
             <a:endParaRPr lang="en-US"/>
           </a:p>
@@ -781,7 +781,7 @@
             <a:fld id="{BAEC5F40-859A-4D8D-8FD8-9B9C6CC4AFF0}" type="datetimeFigureOut">
               <a:rPr lang="en-US" smtClean="0"/>
               <a:pPr/>
-              <a:t>3/28/2024</a:t>
+              <a:t>8/9/2024</a:t>
             </a:fld>
             <a:endParaRPr lang="en-US"/>
           </a:p>
@@ -1027,7 +1027,7 @@
             <a:fld id="{BAEC5F40-859A-4D8D-8FD8-9B9C6CC4AFF0}" type="datetimeFigureOut">
               <a:rPr lang="en-US" smtClean="0"/>
               <a:pPr/>
-              <a:t>3/28/2024</a:t>
+              <a:t>8/9/2024</a:t>
             </a:fld>
             <a:endParaRPr lang="en-US"/>
           </a:p>
@@ -1261,7 +1261,7 @@
             <a:fld id="{BAEC5F40-859A-4D8D-8FD8-9B9C6CC4AFF0}" type="datetimeFigureOut">
               <a:rPr lang="en-US" smtClean="0"/>
               <a:pPr/>
-              <a:t>3/28/2024</a:t>
+              <a:t>8/9/2024</a:t>
             </a:fld>
             <a:endParaRPr lang="en-US"/>
           </a:p>
@@ -1630,7 +1630,7 @@
             <a:fld id="{BAEC5F40-859A-4D8D-8FD8-9B9C6CC4AFF0}" type="datetimeFigureOut">
               <a:rPr lang="en-US" smtClean="0"/>
               <a:pPr/>
-              <a:t>3/28/2024</a:t>
+              <a:t>8/9/2024</a:t>
             </a:fld>
             <a:endParaRPr lang="en-US"/>
           </a:p>
@@ -1750,7 +1750,7 @@
             <a:fld id="{BAEC5F40-859A-4D8D-8FD8-9B9C6CC4AFF0}" type="datetimeFigureOut">
               <a:rPr lang="en-US" smtClean="0"/>
               <a:pPr/>
-              <a:t>3/28/2024</a:t>
+              <a:t>8/9/2024</a:t>
             </a:fld>
             <a:endParaRPr lang="en-US"/>
           </a:p>
@@ -1847,7 +1847,7 @@
             <a:fld id="{BAEC5F40-859A-4D8D-8FD8-9B9C6CC4AFF0}" type="datetimeFigureOut">
               <a:rPr lang="en-US" smtClean="0"/>
               <a:pPr/>
-              <a:t>3/28/2024</a:t>
+              <a:t>8/9/2024</a:t>
             </a:fld>
             <a:endParaRPr lang="en-US"/>
           </a:p>
@@ -2126,7 +2126,7 @@
             <a:fld id="{BAEC5F40-859A-4D8D-8FD8-9B9C6CC4AFF0}" type="datetimeFigureOut">
               <a:rPr lang="en-US" smtClean="0"/>
               <a:pPr/>
-              <a:t>3/28/2024</a:t>
+              <a:t>8/9/2024</a:t>
             </a:fld>
             <a:endParaRPr lang="en-US"/>
           </a:p>
@@ -2385,7 +2385,7 @@
             <a:fld id="{BAEC5F40-859A-4D8D-8FD8-9B9C6CC4AFF0}" type="datetimeFigureOut">
               <a:rPr lang="en-US" smtClean="0"/>
               <a:pPr/>
-              <a:t>3/28/2024</a:t>
+              <a:t>8/9/2024</a:t>
             </a:fld>
             <a:endParaRPr lang="en-US"/>
           </a:p>
@@ -2600,7 +2600,7 @@
             <a:fld id="{BAEC5F40-859A-4D8D-8FD8-9B9C6CC4AFF0}" type="datetimeFigureOut">
               <a:rPr lang="en-US" smtClean="0"/>
               <a:pPr/>
-              <a:t>3/28/2024</a:t>
+              <a:t>8/9/2024</a:t>
             </a:fld>
             <a:endParaRPr lang="en-US"/>
           </a:p>
@@ -4750,8 +4750,8 @@
         </p:nvSpPr>
         <p:spPr>
           <a:xfrm>
-            <a:off x="3329916" y="4283624"/>
-            <a:ext cx="3645341" cy="831602"/>
+            <a:off x="3329917" y="4283624"/>
+            <a:ext cx="3384106" cy="831602"/>
           </a:xfrm>
           <a:prstGeom prst="rect">
             <a:avLst/>
@@ -5977,7 +5977,7 @@
         <p:spPr>
           <a:xfrm>
             <a:off x="3325935" y="5895522"/>
-            <a:ext cx="3595887" cy="883887"/>
+            <a:ext cx="3352923" cy="883887"/>
           </a:xfrm>
           <a:prstGeom prst="rect">
             <a:avLst/>
@@ -8110,7 +8110,7 @@
         <p:spPr>
           <a:xfrm>
             <a:off x="3361099" y="7046380"/>
-            <a:ext cx="3595887" cy="883887"/>
+            <a:ext cx="3352923" cy="883887"/>
           </a:xfrm>
           <a:prstGeom prst="rect">
             <a:avLst/>
@@ -8146,12 +8146,36 @@
               </a:lnSpc>
             </a:pPr>
             <a:r>
+              <a:rPr lang="en-US" sz="800" dirty="0" err="1">
+                <a:solidFill>
+                  <a:schemeClr val="tx1"/>
+                </a:solidFill>
+              </a:rPr>
+              <a:t>AtoZ</a:t>
+            </a:r>
+            <a:r>
               <a:rPr lang="en-US" sz="800" dirty="0">
                 <a:solidFill>
                   <a:schemeClr val="tx1"/>
                 </a:solidFill>
               </a:rPr>
-              <a:t>Alien It Consultancy Pvt. Ltd. – Ahmedabad </a:t>
+              <a:t> </a:t>
+            </a:r>
+            <a:r>
+              <a:rPr lang="en-US" sz="800" dirty="0" err="1">
+                <a:solidFill>
+                  <a:schemeClr val="tx1"/>
+                </a:solidFill>
+              </a:rPr>
+              <a:t>CodingPvt</a:t>
+            </a:r>
+            <a:r>
+              <a:rPr lang="en-US" sz="800" dirty="0">
+                <a:solidFill>
+                  <a:schemeClr val="tx1"/>
+                </a:solidFill>
+              </a:rPr>
+              <a:t>. Ltd. – Ahmedabad </a:t>
             </a:r>
           </a:p>
           <a:p>
@@ -8416,7 +8440,7 @@
         <p:spPr>
           <a:xfrm>
             <a:off x="5108925" y="8369446"/>
-            <a:ext cx="1716015" cy="650952"/>
+            <a:ext cx="1605097" cy="650952"/>
           </a:xfrm>
           <a:prstGeom prst="rect">
             <a:avLst/>
@@ -8530,6 +8554,42 @@
           </a:p>
         </p:txBody>
       </p:sp>
+      <p:pic>
+        <p:nvPicPr>
+          <p:cNvPr id="36" name="Picture 35">
+            <a:extLst>
+              <a:ext uri="{FF2B5EF4-FFF2-40B4-BE49-F238E27FC236}">
+                <a16:creationId xmlns:a16="http://schemas.microsoft.com/office/drawing/2014/main" id="{7D6D9B88-987A-902E-54D8-FDAF454085D2}"/>
+              </a:ext>
+            </a:extLst>
+          </p:cNvPr>
+          <p:cNvPicPr>
+            <a:picLocks noChangeAspect="1"/>
+          </p:cNvPicPr>
+          <p:nvPr/>
+        </p:nvPicPr>
+        <p:blipFill>
+          <a:blip r:embed="rId18" cstate="print">
+            <a:extLst>
+              <a:ext uri="{28A0092B-C50C-407E-A947-70E740481C1C}">
+                <a14:useLocalDpi xmlns:a14="http://schemas.microsoft.com/office/drawing/2010/main" val="0"/>
+              </a:ext>
+            </a:extLst>
+          </a:blip>
+          <a:stretch>
+            <a:fillRect/>
+          </a:stretch>
+        </p:blipFill>
+        <p:spPr>
+          <a:xfrm>
+            <a:off x="443779" y="435212"/>
+            <a:ext cx="1306336" cy="1377446"/>
+          </a:xfrm>
+          <a:prstGeom prst="rect">
+            <a:avLst/>
+          </a:prstGeom>
+        </p:spPr>
+      </p:pic>
     </p:spTree>
     <p:extLst>
       <p:ext uri="{BB962C8B-B14F-4D97-AF65-F5344CB8AC3E}">

--- a/My Resume.pptx
+++ b/My Resume.pptx
@@ -255,7 +255,7 @@
             <a:fld id="{BAEC5F40-859A-4D8D-8FD8-9B9C6CC4AFF0}" type="datetimeFigureOut">
               <a:rPr lang="en-US" smtClean="0"/>
               <a:pPr/>
-              <a:t>8/9/2024</a:t>
+              <a:t>8/12/2024</a:t>
             </a:fld>
             <a:endParaRPr lang="en-US"/>
           </a:p>
@@ -427,7 +427,7 @@
             <a:fld id="{BAEC5F40-859A-4D8D-8FD8-9B9C6CC4AFF0}" type="datetimeFigureOut">
               <a:rPr lang="en-US" smtClean="0"/>
               <a:pPr/>
-              <a:t>8/9/2024</a:t>
+              <a:t>8/12/2024</a:t>
             </a:fld>
             <a:endParaRPr lang="en-US"/>
           </a:p>
@@ -609,7 +609,7 @@
             <a:fld id="{BAEC5F40-859A-4D8D-8FD8-9B9C6CC4AFF0}" type="datetimeFigureOut">
               <a:rPr lang="en-US" smtClean="0"/>
               <a:pPr/>
-              <a:t>8/9/2024</a:t>
+              <a:t>8/12/2024</a:t>
             </a:fld>
             <a:endParaRPr lang="en-US"/>
           </a:p>
@@ -781,7 +781,7 @@
             <a:fld id="{BAEC5F40-859A-4D8D-8FD8-9B9C6CC4AFF0}" type="datetimeFigureOut">
               <a:rPr lang="en-US" smtClean="0"/>
               <a:pPr/>
-              <a:t>8/9/2024</a:t>
+              <a:t>8/12/2024</a:t>
             </a:fld>
             <a:endParaRPr lang="en-US"/>
           </a:p>
@@ -1027,7 +1027,7 @@
             <a:fld id="{BAEC5F40-859A-4D8D-8FD8-9B9C6CC4AFF0}" type="datetimeFigureOut">
               <a:rPr lang="en-US" smtClean="0"/>
               <a:pPr/>
-              <a:t>8/9/2024</a:t>
+              <a:t>8/12/2024</a:t>
             </a:fld>
             <a:endParaRPr lang="en-US"/>
           </a:p>
@@ -1261,7 +1261,7 @@
             <a:fld id="{BAEC5F40-859A-4D8D-8FD8-9B9C6CC4AFF0}" type="datetimeFigureOut">
               <a:rPr lang="en-US" smtClean="0"/>
               <a:pPr/>
-              <a:t>8/9/2024</a:t>
+              <a:t>8/12/2024</a:t>
             </a:fld>
             <a:endParaRPr lang="en-US"/>
           </a:p>
@@ -1630,7 +1630,7 @@
             <a:fld id="{BAEC5F40-859A-4D8D-8FD8-9B9C6CC4AFF0}" type="datetimeFigureOut">
               <a:rPr lang="en-US" smtClean="0"/>
               <a:pPr/>
-              <a:t>8/9/2024</a:t>
+              <a:t>8/12/2024</a:t>
             </a:fld>
             <a:endParaRPr lang="en-US"/>
           </a:p>
@@ -1750,7 +1750,7 @@
             <a:fld id="{BAEC5F40-859A-4D8D-8FD8-9B9C6CC4AFF0}" type="datetimeFigureOut">
               <a:rPr lang="en-US" smtClean="0"/>
               <a:pPr/>
-              <a:t>8/9/2024</a:t>
+              <a:t>8/12/2024</a:t>
             </a:fld>
             <a:endParaRPr lang="en-US"/>
           </a:p>
@@ -1847,7 +1847,7 @@
             <a:fld id="{BAEC5F40-859A-4D8D-8FD8-9B9C6CC4AFF0}" type="datetimeFigureOut">
               <a:rPr lang="en-US" smtClean="0"/>
               <a:pPr/>
-              <a:t>8/9/2024</a:t>
+              <a:t>8/12/2024</a:t>
             </a:fld>
             <a:endParaRPr lang="en-US"/>
           </a:p>
@@ -2126,7 +2126,7 @@
             <a:fld id="{BAEC5F40-859A-4D8D-8FD8-9B9C6CC4AFF0}" type="datetimeFigureOut">
               <a:rPr lang="en-US" smtClean="0"/>
               <a:pPr/>
-              <a:t>8/9/2024</a:t>
+              <a:t>8/12/2024</a:t>
             </a:fld>
             <a:endParaRPr lang="en-US"/>
           </a:p>
@@ -2385,7 +2385,7 @@
             <a:fld id="{BAEC5F40-859A-4D8D-8FD8-9B9C6CC4AFF0}" type="datetimeFigureOut">
               <a:rPr lang="en-US" smtClean="0"/>
               <a:pPr/>
-              <a:t>8/9/2024</a:t>
+              <a:t>8/12/2024</a:t>
             </a:fld>
             <a:endParaRPr lang="en-US"/>
           </a:p>
@@ -2600,7 +2600,7 @@
             <a:fld id="{BAEC5F40-859A-4D8D-8FD8-9B9C6CC4AFF0}" type="datetimeFigureOut">
               <a:rPr lang="en-US" smtClean="0"/>
               <a:pPr/>
-              <a:t>8/9/2024</a:t>
+              <a:t>8/12/2024</a:t>
             </a:fld>
             <a:endParaRPr lang="en-US"/>
           </a:p>
@@ -3798,7 +3798,43 @@
                 </a:solidFill>
                 <a:effectLst/>
               </a:rPr>
-              <a:t>Experienced Laravel Developer with over three years of hands-on experience in developing web applications</a:t>
+              <a:t>Experienced Laravel + </a:t>
+            </a:r>
+            <a:r>
+              <a:rPr lang="en-US" sz="800" b="0" i="0" dirty="0" err="1">
+                <a:solidFill>
+                  <a:schemeClr val="tx1"/>
+                </a:solidFill>
+                <a:effectLst/>
+              </a:rPr>
+              <a:t>vue</a:t>
+            </a:r>
+            <a:r>
+              <a:rPr lang="en-US" sz="800" b="0" i="0" dirty="0">
+                <a:solidFill>
+                  <a:schemeClr val="tx1"/>
+                </a:solidFill>
+                <a:effectLst/>
+              </a:rPr>
+              <a:t> </a:t>
+            </a:r>
+            <a:r>
+              <a:rPr lang="en-US" sz="800" b="0" i="0" dirty="0" err="1">
+                <a:solidFill>
+                  <a:schemeClr val="tx1"/>
+                </a:solidFill>
+                <a:effectLst/>
+              </a:rPr>
+              <a:t>js</a:t>
+            </a:r>
+            <a:r>
+              <a:rPr lang="en-US" sz="800" b="0" i="0" dirty="0">
+                <a:solidFill>
+                  <a:schemeClr val="tx1"/>
+                </a:solidFill>
+                <a:effectLst/>
+              </a:rPr>
+              <a:t> Developer with over three years of hands-on experience in developing web applications</a:t>
             </a:r>
             <a:r>
               <a:rPr lang="en-US" sz="800" dirty="0">
@@ -3807,7 +3843,7 @@
                 </a:solidFill>
                 <a:ea typeface="Cambria" panose="02040503050406030204" pitchFamily="18" charset="0"/>
               </a:rPr>
-              <a:t> I believe in smart work. I am self reliant and try to upgrade my self from time to time and also willing help others. I also like to do videos and photo editing. Skilled in programming languages and using them for web developing. I have both frontend as well as backend skills. I am kind hearted person. I keep myself calm in pressure situations.</a:t>
+              <a:t> I believe in smart work. I am self reliant and try to upgrade my self from time to time and also willing help others. Skilled in programming languages and using them for web developing. I have both frontend as well as backend skills. I am kind hearted person. I keep myself calm in pressure situations.</a:t>
             </a:r>
           </a:p>
         </p:txBody>
@@ -4127,8 +4163,8 @@
         </p:nvSpPr>
         <p:spPr>
           <a:xfrm>
-            <a:off x="2946107" y="553766"/>
-            <a:ext cx="1469930" cy="284188"/>
+            <a:off x="2612653" y="521402"/>
+            <a:ext cx="2116475" cy="284188"/>
           </a:xfrm>
           <a:prstGeom prst="rect">
             <a:avLst/>
@@ -4171,7 +4207,27 @@
                 <a:latin typeface="Bahnschrift" panose="020B0502040204020203" pitchFamily="34" charset="0"/>
                 <a:cs typeface="Aharoni" panose="02010803020104030203" pitchFamily="2" charset="-79"/>
               </a:rPr>
-              <a:t>Laravel Developer</a:t>
+              <a:t>Laravel + Vue </a:t>
+            </a:r>
+            <a:r>
+              <a:rPr lang="en-US" sz="1200" dirty="0" err="1">
+                <a:solidFill>
+                  <a:schemeClr val="bg1"/>
+                </a:solidFill>
+                <a:latin typeface="Bahnschrift" panose="020B0502040204020203" pitchFamily="34" charset="0"/>
+                <a:cs typeface="Aharoni" panose="02010803020104030203" pitchFamily="2" charset="-79"/>
+              </a:rPr>
+              <a:t>Js</a:t>
+            </a:r>
+            <a:r>
+              <a:rPr lang="en-US" sz="1200" dirty="0">
+                <a:solidFill>
+                  <a:schemeClr val="bg1"/>
+                </a:solidFill>
+                <a:latin typeface="Bahnschrift" panose="020B0502040204020203" pitchFamily="34" charset="0"/>
+                <a:cs typeface="Aharoni" panose="02010803020104030203" pitchFamily="2" charset="-79"/>
+              </a:rPr>
+              <a:t> Developer</a:t>
             </a:r>
           </a:p>
         </p:txBody>
@@ -4815,7 +4871,7 @@
                   <a:schemeClr val="tx1"/>
                 </a:solidFill>
               </a:rPr>
-              <a:t>Science city road  ,  The Capital , AA- 701  , Ahmedabad  </a:t>
+              <a:t>Science city road ,  The Capital, Ahmedabad  </a:t>
             </a:r>
           </a:p>
           <a:p>
@@ -6041,7 +6097,7 @@
                   <a:schemeClr val="tx1"/>
                 </a:solidFill>
               </a:rPr>
-              <a:t>August 2021</a:t>
+              <a:t>September 2021</a:t>
             </a:r>
           </a:p>
           <a:p>
@@ -6071,7 +6127,7 @@
                   <a:schemeClr val="tx1"/>
                 </a:solidFill>
               </a:rPr>
-              <a:t>Worked as Laravel developer, Team leader and also counselor.</a:t>
+              <a:t>Worked as Laravel developer, Team leader.</a:t>
             </a:r>
           </a:p>
         </p:txBody>
@@ -7109,7 +7165,7 @@
                   <a:schemeClr val="tx1"/>
                 </a:solidFill>
               </a:rPr>
-              <a:t>PHP + Laravel  Developer ( Duration - 2.6 Year )</a:t>
+              <a:t>PHP + Laravel  Developer ( Duration - 2.7 Year )</a:t>
             </a:r>
             <a:r>
               <a:rPr lang="en-US" sz="900" b="1" dirty="0">
@@ -7792,10 +7848,10 @@
       </p:sp>
       <p:sp>
         <p:nvSpPr>
-          <p:cNvPr id="54" name="Rectangle 53">
+          <p:cNvPr id="5" name="Rectangle 4">
             <a:extLst>
               <a:ext uri="{FF2B5EF4-FFF2-40B4-BE49-F238E27FC236}">
-                <a16:creationId xmlns:a16="http://schemas.microsoft.com/office/drawing/2014/main" id="{0636C991-BC90-4D67-CDC8-58C212CE1E36}"/>
+                <a16:creationId xmlns:a16="http://schemas.microsoft.com/office/drawing/2014/main" id="{2DC77A8D-4ED1-0F71-E220-72751ECCAC2B}"/>
               </a:ext>
             </a:extLst>
           </p:cNvPr>
@@ -7804,8 +7860,8 @@
         </p:nvSpPr>
         <p:spPr>
           <a:xfrm>
-            <a:off x="3273177" y="791003"/>
-            <a:ext cx="774207" cy="284188"/>
+            <a:off x="2248176" y="7036406"/>
+            <a:ext cx="1106515" cy="760786"/>
           </a:xfrm>
           <a:prstGeom prst="rect">
             <a:avLst/>
@@ -7832,8 +7888,76 @@
           </a:fontRef>
         </p:style>
         <p:txBody>
-          <a:bodyPr rtlCol="0" anchor="ctr"/>
-          <a:lstStyle/>
+          <a:bodyPr rtlCol="0" anchor="t"/>
+          <a:lstStyle/>
+          <a:p>
+            <a:pPr marL="171450" indent="-171450">
+              <a:lnSpc>
+                <a:spcPct val="150000"/>
+              </a:lnSpc>
+              <a:buFont typeface="Courier New" panose="02070309020205020404" pitchFamily="49" charset="0"/>
+              <a:buChar char="o"/>
+            </a:pPr>
+            <a:r>
+              <a:rPr lang="en-US" sz="800" b="1" dirty="0">
+                <a:solidFill>
+                  <a:schemeClr val="tx1"/>
+                </a:solidFill>
+              </a:rPr>
+              <a:t>Company </a:t>
+            </a:r>
+          </a:p>
+          <a:p>
+            <a:pPr marL="171450" indent="-171450">
+              <a:lnSpc>
+                <a:spcPct val="150000"/>
+              </a:lnSpc>
+              <a:buFont typeface="Courier New" panose="02070309020205020404" pitchFamily="49" charset="0"/>
+              <a:buChar char="o"/>
+            </a:pPr>
+            <a:r>
+              <a:rPr lang="en-US" sz="800" b="1" dirty="0">
+                <a:solidFill>
+                  <a:schemeClr val="tx1"/>
+                </a:solidFill>
+              </a:rPr>
+              <a:t>Joining Date  </a:t>
+            </a:r>
+          </a:p>
+          <a:p>
+            <a:pPr marL="171450" indent="-171450">
+              <a:lnSpc>
+                <a:spcPct val="150000"/>
+              </a:lnSpc>
+              <a:buFont typeface="Courier New" panose="02070309020205020404" pitchFamily="49" charset="0"/>
+              <a:buChar char="o"/>
+            </a:pPr>
+            <a:r>
+              <a:rPr lang="en-US" sz="800" b="1" dirty="0">
+                <a:solidFill>
+                  <a:schemeClr val="tx1"/>
+                </a:solidFill>
+              </a:rPr>
+              <a:t>Leaving Date</a:t>
+            </a:r>
+          </a:p>
+          <a:p>
+            <a:pPr marL="171450" indent="-171450">
+              <a:lnSpc>
+                <a:spcPct val="150000"/>
+              </a:lnSpc>
+              <a:buFont typeface="Courier New" panose="02070309020205020404" pitchFamily="49" charset="0"/>
+              <a:buChar char="o"/>
+            </a:pPr>
+            <a:r>
+              <a:rPr lang="en-US" sz="800" b="1" dirty="0">
+                <a:solidFill>
+                  <a:schemeClr val="tx1"/>
+                </a:solidFill>
+              </a:rPr>
+              <a:t>Job Description </a:t>
+            </a:r>
+          </a:p>
           <a:p>
             <a:pPr>
               <a:lnSpc>
@@ -7841,31 +7965,22 @@
               </a:lnSpc>
             </a:pPr>
             <a:r>
-              <a:rPr lang="en-US" sz="800" dirty="0">
-                <a:solidFill>
-                  <a:schemeClr val="bg1"/>
-                </a:solidFill>
-                <a:latin typeface="Bahnschrift" panose="020B0502040204020203" pitchFamily="34" charset="0"/>
-                <a:cs typeface="Aharoni" panose="02010803020104030203" pitchFamily="2" charset="-79"/>
-              </a:rPr>
-              <a:t>( Full Stack )</a:t>
-            </a:r>
-            <a:endParaRPr lang="en-US" sz="1200" dirty="0">
-              <a:solidFill>
-                <a:schemeClr val="bg1"/>
-              </a:solidFill>
-              <a:latin typeface="Bahnschrift" panose="020B0502040204020203" pitchFamily="34" charset="0"/>
-              <a:cs typeface="Aharoni" panose="02010803020104030203" pitchFamily="2" charset="-79"/>
-            </a:endParaRPr>
-          </a:p>
-        </p:txBody>
-      </p:sp>
-      <p:sp>
-        <p:nvSpPr>
-          <p:cNvPr id="5" name="Rectangle 4">
+              <a:rPr lang="en-US" sz="800" b="1" dirty="0">
+                <a:solidFill>
+                  <a:schemeClr val="tx1"/>
+                </a:solidFill>
+              </a:rPr>
+              <a:t>               </a:t>
+            </a:r>
+          </a:p>
+        </p:txBody>
+      </p:sp>
+      <p:sp>
+        <p:nvSpPr>
+          <p:cNvPr id="7" name="Rectangle 6">
             <a:extLst>
               <a:ext uri="{FF2B5EF4-FFF2-40B4-BE49-F238E27FC236}">
-                <a16:creationId xmlns:a16="http://schemas.microsoft.com/office/drawing/2014/main" id="{2DC77A8D-4ED1-0F71-E220-72751ECCAC2B}"/>
+                <a16:creationId xmlns:a16="http://schemas.microsoft.com/office/drawing/2014/main" id="{5EFAA5F5-9FB8-EE64-DFA4-939741AB4482}"/>
               </a:ext>
             </a:extLst>
           </p:cNvPr>
@@ -7874,8 +7989,8 @@
         </p:nvSpPr>
         <p:spPr>
           <a:xfrm>
-            <a:off x="2248176" y="7036406"/>
-            <a:ext cx="1106515" cy="760786"/>
+            <a:off x="3167569" y="7035136"/>
+            <a:ext cx="211217" cy="895131"/>
           </a:xfrm>
           <a:prstGeom prst="rect">
             <a:avLst/>
@@ -7905,12 +8020,10 @@
           <a:bodyPr rtlCol="0" anchor="t"/>
           <a:lstStyle/>
           <a:p>
-            <a:pPr marL="171450" indent="-171450">
-              <a:lnSpc>
-                <a:spcPct val="150000"/>
-              </a:lnSpc>
-              <a:buFont typeface="Courier New" panose="02070309020205020404" pitchFamily="49" charset="0"/>
-              <a:buChar char="o"/>
+            <a:pPr>
+              <a:lnSpc>
+                <a:spcPct val="150000"/>
+              </a:lnSpc>
             </a:pPr>
             <a:r>
               <a:rPr lang="en-US" sz="800" b="1" dirty="0">
@@ -7918,16 +8031,14 @@
                   <a:schemeClr val="tx1"/>
                 </a:solidFill>
               </a:rPr>
-              <a:t>Company </a:t>
-            </a:r>
-          </a:p>
-          <a:p>
-            <a:pPr marL="171450" indent="-171450">
-              <a:lnSpc>
-                <a:spcPct val="150000"/>
-              </a:lnSpc>
-              <a:buFont typeface="Courier New" panose="02070309020205020404" pitchFamily="49" charset="0"/>
-              <a:buChar char="o"/>
+              <a:t>:</a:t>
+            </a:r>
+          </a:p>
+          <a:p>
+            <a:pPr>
+              <a:lnSpc>
+                <a:spcPct val="150000"/>
+              </a:lnSpc>
             </a:pPr>
             <a:r>
               <a:rPr lang="en-US" sz="800" b="1" dirty="0">
@@ -7935,16 +8046,14 @@
                   <a:schemeClr val="tx1"/>
                 </a:solidFill>
               </a:rPr>
-              <a:t>Joining Date  </a:t>
-            </a:r>
-          </a:p>
-          <a:p>
-            <a:pPr marL="171450" indent="-171450">
-              <a:lnSpc>
-                <a:spcPct val="150000"/>
-              </a:lnSpc>
-              <a:buFont typeface="Courier New" panose="02070309020205020404" pitchFamily="49" charset="0"/>
-              <a:buChar char="o"/>
+              <a:t>:</a:t>
+            </a:r>
+          </a:p>
+          <a:p>
+            <a:pPr>
+              <a:lnSpc>
+                <a:spcPct val="150000"/>
+              </a:lnSpc>
             </a:pPr>
             <a:r>
               <a:rPr lang="en-US" sz="800" b="1" dirty="0">
@@ -7952,16 +8061,14 @@
                   <a:schemeClr val="tx1"/>
                 </a:solidFill>
               </a:rPr>
-              <a:t>Leaving Date</a:t>
-            </a:r>
-          </a:p>
-          <a:p>
-            <a:pPr marL="171450" indent="-171450">
-              <a:lnSpc>
-                <a:spcPct val="150000"/>
-              </a:lnSpc>
-              <a:buFont typeface="Courier New" panose="02070309020205020404" pitchFamily="49" charset="0"/>
-              <a:buChar char="o"/>
+              <a:t>:</a:t>
+            </a:r>
+          </a:p>
+          <a:p>
+            <a:pPr>
+              <a:lnSpc>
+                <a:spcPct val="150000"/>
+              </a:lnSpc>
             </a:pPr>
             <a:r>
               <a:rPr lang="en-US" sz="800" b="1" dirty="0">
@@ -7969,32 +8076,17 @@
                   <a:schemeClr val="tx1"/>
                 </a:solidFill>
               </a:rPr>
-              <a:t>Job Description </a:t>
-            </a:r>
-          </a:p>
-          <a:p>
-            <a:pPr>
-              <a:lnSpc>
-                <a:spcPct val="150000"/>
-              </a:lnSpc>
-            </a:pPr>
-            <a:r>
-              <a:rPr lang="en-US" sz="800" b="1" dirty="0">
-                <a:solidFill>
-                  <a:schemeClr val="tx1"/>
-                </a:solidFill>
-              </a:rPr>
-              <a:t>               </a:t>
-            </a:r>
-          </a:p>
-        </p:txBody>
-      </p:sp>
-      <p:sp>
-        <p:nvSpPr>
-          <p:cNvPr id="7" name="Rectangle 6">
+              <a:t>:</a:t>
+            </a:r>
+          </a:p>
+        </p:txBody>
+      </p:sp>
+      <p:sp>
+        <p:nvSpPr>
+          <p:cNvPr id="11" name="Rectangle 10">
             <a:extLst>
               <a:ext uri="{FF2B5EF4-FFF2-40B4-BE49-F238E27FC236}">
-                <a16:creationId xmlns:a16="http://schemas.microsoft.com/office/drawing/2014/main" id="{5EFAA5F5-9FB8-EE64-DFA4-939741AB4482}"/>
+                <a16:creationId xmlns:a16="http://schemas.microsoft.com/office/drawing/2014/main" id="{C9D39E52-3957-0407-C5F7-13F3453153C2}"/>
               </a:ext>
             </a:extLst>
           </p:cNvPr>
@@ -8003,8 +8095,8 @@
         </p:nvSpPr>
         <p:spPr>
           <a:xfrm>
-            <a:off x="3167569" y="7035136"/>
-            <a:ext cx="211217" cy="895131"/>
+            <a:off x="3361099" y="7046380"/>
+            <a:ext cx="3352923" cy="883887"/>
           </a:xfrm>
           <a:prstGeom prst="rect">
             <a:avLst/>
@@ -8040,12 +8132,20 @@
               </a:lnSpc>
             </a:pPr>
             <a:r>
-              <a:rPr lang="en-US" sz="800" b="1" dirty="0">
-                <a:solidFill>
-                  <a:schemeClr val="tx1"/>
-                </a:solidFill>
-              </a:rPr>
-              <a:t>:</a:t>
+              <a:rPr lang="en-US" sz="800" dirty="0" err="1">
+                <a:solidFill>
+                  <a:schemeClr val="tx1"/>
+                </a:solidFill>
+              </a:rPr>
+              <a:t>AtoZ</a:t>
+            </a:r>
+            <a:r>
+              <a:rPr lang="en-US" sz="800" dirty="0">
+                <a:solidFill>
+                  <a:schemeClr val="tx1"/>
+                </a:solidFill>
+              </a:rPr>
+              <a:t> Coding Pvt. Ltd. – Ahmedabad </a:t>
             </a:r>
           </a:p>
           <a:p>
@@ -8055,12 +8155,12 @@
               </a:lnSpc>
             </a:pPr>
             <a:r>
-              <a:rPr lang="en-US" sz="800" b="1" dirty="0">
-                <a:solidFill>
-                  <a:schemeClr val="tx1"/>
-                </a:solidFill>
-              </a:rPr>
-              <a:t>:</a:t>
+              <a:rPr lang="en-US" sz="800" dirty="0">
+                <a:solidFill>
+                  <a:schemeClr val="tx1"/>
+                </a:solidFill>
+              </a:rPr>
+              <a:t>March 2024 </a:t>
             </a:r>
           </a:p>
           <a:p>
@@ -8070,12 +8170,12 @@
               </a:lnSpc>
             </a:pPr>
             <a:r>
-              <a:rPr lang="en-US" sz="800" b="1" dirty="0">
-                <a:solidFill>
-                  <a:schemeClr val="tx1"/>
-                </a:solidFill>
-              </a:rPr>
-              <a:t>:</a:t>
+              <a:rPr lang="en-US" sz="800" dirty="0">
+                <a:solidFill>
+                  <a:schemeClr val="tx1"/>
+                </a:solidFill>
+              </a:rPr>
+              <a:t>Continue </a:t>
             </a:r>
           </a:p>
           <a:p>
@@ -8085,22 +8185,38 @@
               </a:lnSpc>
             </a:pPr>
             <a:r>
-              <a:rPr lang="en-US" sz="800" b="1" dirty="0">
-                <a:solidFill>
-                  <a:schemeClr val="tx1"/>
-                </a:solidFill>
-              </a:rPr>
-              <a:t>:</a:t>
-            </a:r>
-          </a:p>
-        </p:txBody>
-      </p:sp>
-      <p:sp>
-        <p:nvSpPr>
-          <p:cNvPr id="11" name="Rectangle 10">
+              <a:rPr lang="en-US" sz="800" dirty="0">
+                <a:solidFill>
+                  <a:schemeClr val="tx1"/>
+                </a:solidFill>
+              </a:rPr>
+              <a:t>Worked as Laravel and </a:t>
+            </a:r>
+            <a:r>
+              <a:rPr lang="en-US" sz="800" dirty="0" err="1">
+                <a:solidFill>
+                  <a:schemeClr val="tx1"/>
+                </a:solidFill>
+              </a:rPr>
+              <a:t>wordpress</a:t>
+            </a:r>
+            <a:r>
+              <a:rPr lang="en-US" sz="800" dirty="0">
+                <a:solidFill>
+                  <a:schemeClr val="tx1"/>
+                </a:solidFill>
+              </a:rPr>
+              <a:t> developer.</a:t>
+            </a:r>
+          </a:p>
+        </p:txBody>
+      </p:sp>
+      <p:sp>
+        <p:nvSpPr>
+          <p:cNvPr id="18" name="Rectangle 17">
             <a:extLst>
               <a:ext uri="{FF2B5EF4-FFF2-40B4-BE49-F238E27FC236}">
-                <a16:creationId xmlns:a16="http://schemas.microsoft.com/office/drawing/2014/main" id="{C9D39E52-3957-0407-C5F7-13F3453153C2}"/>
+                <a16:creationId xmlns:a16="http://schemas.microsoft.com/office/drawing/2014/main" id="{6E3EE484-E68F-5C36-CEDB-9E7BD1F60B8F}"/>
               </a:ext>
             </a:extLst>
           </p:cNvPr>
@@ -8109,8 +8225,8 @@
         </p:nvSpPr>
         <p:spPr>
           <a:xfrm>
-            <a:off x="3361099" y="7046380"/>
-            <a:ext cx="3352923" cy="883887"/>
+            <a:off x="2090313" y="6827384"/>
+            <a:ext cx="2857032" cy="196497"/>
           </a:xfrm>
           <a:prstGeom prst="rect">
             <a:avLst/>
@@ -8140,113 +8256,54 @@
           <a:bodyPr rtlCol="0" anchor="t"/>
           <a:lstStyle/>
           <a:p>
-            <a:pPr>
-              <a:lnSpc>
-                <a:spcPct val="150000"/>
-              </a:lnSpc>
-            </a:pPr>
-            <a:r>
-              <a:rPr lang="en-US" sz="800" dirty="0" err="1">
-                <a:solidFill>
-                  <a:schemeClr val="tx1"/>
-                </a:solidFill>
-              </a:rPr>
-              <a:t>AtoZ</a:t>
-            </a:r>
-            <a:r>
-              <a:rPr lang="en-US" sz="800" dirty="0">
-                <a:solidFill>
-                  <a:schemeClr val="tx1"/>
+            <a:pPr marL="171450" indent="-171450">
+              <a:buFont typeface="Wingdings" panose="05000000000000000000" pitchFamily="2" charset="2"/>
+              <a:buChar char="§"/>
+            </a:pPr>
+            <a:r>
+              <a:rPr lang="en-US" sz="900" b="1" dirty="0">
+                <a:solidFill>
+                  <a:schemeClr val="tx1"/>
+                </a:solidFill>
+              </a:rPr>
+              <a:t>PHP + Laravel , </a:t>
+            </a:r>
+            <a:r>
+              <a:rPr lang="en-US" sz="900" b="1" dirty="0" err="1">
+                <a:solidFill>
+                  <a:schemeClr val="tx1"/>
+                </a:solidFill>
+              </a:rPr>
+              <a:t>Wordpress</a:t>
+            </a:r>
+            <a:r>
+              <a:rPr lang="en-US" sz="900" b="1" dirty="0">
+                <a:solidFill>
+                  <a:schemeClr val="tx1"/>
+                </a:solidFill>
+              </a:rPr>
+              <a:t> Developer</a:t>
+            </a:r>
+            <a:r>
+              <a:rPr lang="en-US" sz="900" b="1" dirty="0">
+                <a:solidFill>
+                  <a:schemeClr val="tx1">
+                    <a:lumMod val="85000"/>
+                    <a:lumOff val="15000"/>
+                  </a:schemeClr>
                 </a:solidFill>
               </a:rPr>
               <a:t> </a:t>
             </a:r>
-            <a:r>
-              <a:rPr lang="en-US" sz="800" dirty="0" err="1">
-                <a:solidFill>
-                  <a:schemeClr val="tx1"/>
-                </a:solidFill>
-              </a:rPr>
-              <a:t>CodingPvt</a:t>
-            </a:r>
-            <a:r>
-              <a:rPr lang="en-US" sz="800" dirty="0">
-                <a:solidFill>
-                  <a:schemeClr val="tx1"/>
-                </a:solidFill>
-              </a:rPr>
-              <a:t>. Ltd. – Ahmedabad </a:t>
-            </a:r>
-          </a:p>
-          <a:p>
-            <a:pPr>
-              <a:lnSpc>
-                <a:spcPct val="150000"/>
-              </a:lnSpc>
-            </a:pPr>
-            <a:r>
-              <a:rPr lang="en-US" sz="800" dirty="0">
-                <a:solidFill>
-                  <a:schemeClr val="tx1"/>
-                </a:solidFill>
-              </a:rPr>
-              <a:t>March 2024 </a:t>
-            </a:r>
-          </a:p>
-          <a:p>
-            <a:pPr>
-              <a:lnSpc>
-                <a:spcPct val="150000"/>
-              </a:lnSpc>
-            </a:pPr>
-            <a:r>
-              <a:rPr lang="en-US" sz="800" dirty="0">
-                <a:solidFill>
-                  <a:schemeClr val="tx1"/>
-                </a:solidFill>
-              </a:rPr>
-              <a:t>Continue </a:t>
-            </a:r>
-          </a:p>
-          <a:p>
-            <a:pPr>
-              <a:lnSpc>
-                <a:spcPct val="150000"/>
-              </a:lnSpc>
-            </a:pPr>
-            <a:r>
-              <a:rPr lang="en-US" sz="800" dirty="0">
-                <a:solidFill>
-                  <a:schemeClr val="tx1"/>
-                </a:solidFill>
-              </a:rPr>
-              <a:t>Worked as Laravel and </a:t>
-            </a:r>
-            <a:r>
-              <a:rPr lang="en-US" sz="800" dirty="0" err="1">
-                <a:solidFill>
-                  <a:schemeClr val="tx1"/>
-                </a:solidFill>
-              </a:rPr>
-              <a:t>wordpress</a:t>
-            </a:r>
-            <a:r>
-              <a:rPr lang="en-US" sz="800" dirty="0">
-                <a:solidFill>
-                  <a:schemeClr val="tx1"/>
-                </a:solidFill>
-              </a:rPr>
-              <a:t> developer.</a:t>
-            </a:r>
-          </a:p>
-        </p:txBody>
-      </p:sp>
-      <p:sp>
-        <p:nvSpPr>
-          <p:cNvPr id="18" name="Rectangle 17">
+          </a:p>
+        </p:txBody>
+      </p:sp>
+      <p:sp>
+        <p:nvSpPr>
+          <p:cNvPr id="20" name="Rectangle 19">
             <a:extLst>
               <a:ext uri="{FF2B5EF4-FFF2-40B4-BE49-F238E27FC236}">
-                <a16:creationId xmlns:a16="http://schemas.microsoft.com/office/drawing/2014/main" id="{6E3EE484-E68F-5C36-CEDB-9E7BD1F60B8F}"/>
+                <a16:creationId xmlns:a16="http://schemas.microsoft.com/office/drawing/2014/main" id="{23D7E76E-22A6-BC95-6FE5-BC5C1A5B8530}"/>
               </a:ext>
             </a:extLst>
           </p:cNvPr>
@@ -8255,8 +8312,8 @@
         </p:nvSpPr>
         <p:spPr>
           <a:xfrm>
-            <a:off x="2090313" y="6827384"/>
-            <a:ext cx="2857032" cy="196497"/>
+            <a:off x="3167569" y="8387889"/>
+            <a:ext cx="1115642" cy="751341"/>
           </a:xfrm>
           <a:prstGeom prst="rect">
             <a:avLst/>
@@ -8286,54 +8343,64 @@
           <a:bodyPr rtlCol="0" anchor="t"/>
           <a:lstStyle/>
           <a:p>
-            <a:pPr marL="171450" indent="-171450">
-              <a:buFont typeface="Wingdings" panose="05000000000000000000" pitchFamily="2" charset="2"/>
-              <a:buChar char="§"/>
-            </a:pPr>
-            <a:r>
-              <a:rPr lang="en-US" sz="900" b="1" dirty="0">
-                <a:solidFill>
-                  <a:schemeClr val="tx1"/>
-                </a:solidFill>
-              </a:rPr>
-              <a:t>PHP + Laravel , </a:t>
-            </a:r>
-            <a:r>
-              <a:rPr lang="en-US" sz="900" b="1" dirty="0" err="1">
-                <a:solidFill>
-                  <a:schemeClr val="tx1"/>
-                </a:solidFill>
-              </a:rPr>
-              <a:t>Wordpress</a:t>
-            </a:r>
-            <a:r>
-              <a:rPr lang="en-US" sz="900" b="1" dirty="0">
-                <a:solidFill>
-                  <a:schemeClr val="tx1"/>
-                </a:solidFill>
-              </a:rPr>
-              <a:t> Developer</a:t>
-            </a:r>
-            <a:r>
-              <a:rPr lang="en-US" sz="900" b="1" dirty="0">
-                <a:solidFill>
-                  <a:schemeClr val="tx1">
-                    <a:lumMod val="85000"/>
-                    <a:lumOff val="15000"/>
-                  </a:schemeClr>
-                </a:solidFill>
-              </a:rPr>
-              <a:t> </a:t>
-            </a:r>
-          </a:p>
-        </p:txBody>
-      </p:sp>
-      <p:sp>
-        <p:nvSpPr>
-          <p:cNvPr id="20" name="Rectangle 19">
+            <a:pPr marL="228600" indent="-228600">
+              <a:lnSpc>
+                <a:spcPct val="150000"/>
+              </a:lnSpc>
+              <a:buFont typeface="Courier New" panose="02070309020205020404" pitchFamily="49" charset="0"/>
+              <a:buChar char="o"/>
+            </a:pPr>
+            <a:r>
+              <a:rPr lang="en-US" sz="800" dirty="0">
+                <a:solidFill>
+                  <a:schemeClr val="tx1"/>
+                </a:solidFill>
+              </a:rPr>
+              <a:t>Bootstrap 4 , 5 </a:t>
+            </a:r>
+          </a:p>
+          <a:p>
+            <a:pPr marL="228600" indent="-228600">
+              <a:lnSpc>
+                <a:spcPct val="150000"/>
+              </a:lnSpc>
+              <a:buFont typeface="Courier New" panose="02070309020205020404" pitchFamily="49" charset="0"/>
+              <a:buChar char="o"/>
+            </a:pPr>
+            <a:r>
+              <a:rPr lang="en-US" sz="800" dirty="0">
+                <a:solidFill>
+                  <a:schemeClr val="tx1"/>
+                </a:solidFill>
+              </a:rPr>
+              <a:t>HTML</a:t>
+            </a:r>
+          </a:p>
+          <a:p>
+            <a:pPr marL="228600" indent="-228600">
+              <a:lnSpc>
+                <a:spcPct val="150000"/>
+              </a:lnSpc>
+              <a:buFont typeface="Courier New" panose="02070309020205020404" pitchFamily="49" charset="0"/>
+              <a:buChar char="o"/>
+            </a:pPr>
+            <a:r>
+              <a:rPr lang="en-US" sz="800" dirty="0">
+                <a:solidFill>
+                  <a:schemeClr val="tx1"/>
+                </a:solidFill>
+              </a:rPr>
+              <a:t>CSS</a:t>
+            </a:r>
+          </a:p>
+        </p:txBody>
+      </p:sp>
+      <p:sp>
+        <p:nvSpPr>
+          <p:cNvPr id="29" name="Rectangle 28">
             <a:extLst>
               <a:ext uri="{FF2B5EF4-FFF2-40B4-BE49-F238E27FC236}">
-                <a16:creationId xmlns:a16="http://schemas.microsoft.com/office/drawing/2014/main" id="{23D7E76E-22A6-BC95-6FE5-BC5C1A5B8530}"/>
+                <a16:creationId xmlns:a16="http://schemas.microsoft.com/office/drawing/2014/main" id="{7714BA6D-D5D6-50AF-65B8-0B9C8C8D2B6D}"/>
               </a:ext>
             </a:extLst>
           </p:cNvPr>
@@ -8342,8 +8409,8 @@
         </p:nvSpPr>
         <p:spPr>
           <a:xfrm>
-            <a:off x="3167569" y="8387889"/>
-            <a:ext cx="1115642" cy="751341"/>
+            <a:off x="5108925" y="8369446"/>
+            <a:ext cx="1605097" cy="650952"/>
           </a:xfrm>
           <a:prstGeom prst="rect">
             <a:avLst/>
@@ -8386,103 +8453,6 @@
                   <a:schemeClr val="tx1"/>
                 </a:solidFill>
               </a:rPr>
-              <a:t>Bootstrap 4 , 5 </a:t>
-            </a:r>
-          </a:p>
-          <a:p>
-            <a:pPr marL="228600" indent="-228600">
-              <a:lnSpc>
-                <a:spcPct val="150000"/>
-              </a:lnSpc>
-              <a:buFont typeface="Courier New" panose="02070309020205020404" pitchFamily="49" charset="0"/>
-              <a:buChar char="o"/>
-            </a:pPr>
-            <a:r>
-              <a:rPr lang="en-US" sz="800" dirty="0">
-                <a:solidFill>
-                  <a:schemeClr val="tx1"/>
-                </a:solidFill>
-              </a:rPr>
-              <a:t>HTML</a:t>
-            </a:r>
-          </a:p>
-          <a:p>
-            <a:pPr marL="228600" indent="-228600">
-              <a:lnSpc>
-                <a:spcPct val="150000"/>
-              </a:lnSpc>
-              <a:buFont typeface="Courier New" panose="02070309020205020404" pitchFamily="49" charset="0"/>
-              <a:buChar char="o"/>
-            </a:pPr>
-            <a:r>
-              <a:rPr lang="en-US" sz="800" dirty="0">
-                <a:solidFill>
-                  <a:schemeClr val="tx1"/>
-                </a:solidFill>
-              </a:rPr>
-              <a:t>CSS</a:t>
-            </a:r>
-          </a:p>
-        </p:txBody>
-      </p:sp>
-      <p:sp>
-        <p:nvSpPr>
-          <p:cNvPr id="29" name="Rectangle 28">
-            <a:extLst>
-              <a:ext uri="{FF2B5EF4-FFF2-40B4-BE49-F238E27FC236}">
-                <a16:creationId xmlns:a16="http://schemas.microsoft.com/office/drawing/2014/main" id="{7714BA6D-D5D6-50AF-65B8-0B9C8C8D2B6D}"/>
-              </a:ext>
-            </a:extLst>
-          </p:cNvPr>
-          <p:cNvSpPr/>
-          <p:nvPr/>
-        </p:nvSpPr>
-        <p:spPr>
-          <a:xfrm>
-            <a:off x="5108925" y="8369446"/>
-            <a:ext cx="1605097" cy="650952"/>
-          </a:xfrm>
-          <a:prstGeom prst="rect">
-            <a:avLst/>
-          </a:prstGeom>
-          <a:noFill/>
-          <a:ln>
-            <a:noFill/>
-          </a:ln>
-        </p:spPr>
-        <p:style>
-          <a:lnRef idx="2">
-            <a:schemeClr val="accent1">
-              <a:shade val="50000"/>
-            </a:schemeClr>
-          </a:lnRef>
-          <a:fillRef idx="1">
-            <a:schemeClr val="accent1"/>
-          </a:fillRef>
-          <a:effectRef idx="0">
-            <a:schemeClr val="accent1"/>
-          </a:effectRef>
-          <a:fontRef idx="minor">
-            <a:schemeClr val="lt1"/>
-          </a:fontRef>
-        </p:style>
-        <p:txBody>
-          <a:bodyPr rtlCol="0" anchor="t"/>
-          <a:lstStyle/>
-          <a:p>
-            <a:pPr marL="228600" indent="-228600">
-              <a:lnSpc>
-                <a:spcPct val="150000"/>
-              </a:lnSpc>
-              <a:buFont typeface="Courier New" panose="02070309020205020404" pitchFamily="49" charset="0"/>
-              <a:buChar char="o"/>
-            </a:pPr>
-            <a:r>
-              <a:rPr lang="en-US" sz="800" dirty="0">
-                <a:solidFill>
-                  <a:schemeClr val="tx1"/>
-                </a:solidFill>
-              </a:rPr>
               <a:t>GitHub , </a:t>
             </a:r>
             <a:r>
@@ -8554,42 +8524,6 @@
           </a:p>
         </p:txBody>
       </p:sp>
-      <p:pic>
-        <p:nvPicPr>
-          <p:cNvPr id="36" name="Picture 35">
-            <a:extLst>
-              <a:ext uri="{FF2B5EF4-FFF2-40B4-BE49-F238E27FC236}">
-                <a16:creationId xmlns:a16="http://schemas.microsoft.com/office/drawing/2014/main" id="{7D6D9B88-987A-902E-54D8-FDAF454085D2}"/>
-              </a:ext>
-            </a:extLst>
-          </p:cNvPr>
-          <p:cNvPicPr>
-            <a:picLocks noChangeAspect="1"/>
-          </p:cNvPicPr>
-          <p:nvPr/>
-        </p:nvPicPr>
-        <p:blipFill>
-          <a:blip r:embed="rId18" cstate="print">
-            <a:extLst>
-              <a:ext uri="{28A0092B-C50C-407E-A947-70E740481C1C}">
-                <a14:useLocalDpi xmlns:a14="http://schemas.microsoft.com/office/drawing/2010/main" val="0"/>
-              </a:ext>
-            </a:extLst>
-          </a:blip>
-          <a:stretch>
-            <a:fillRect/>
-          </a:stretch>
-        </p:blipFill>
-        <p:spPr>
-          <a:xfrm>
-            <a:off x="443779" y="435212"/>
-            <a:ext cx="1306336" cy="1377446"/>
-          </a:xfrm>
-          <a:prstGeom prst="rect">
-            <a:avLst/>
-          </a:prstGeom>
-        </p:spPr>
-      </p:pic>
     </p:spTree>
     <p:extLst>
       <p:ext uri="{BB962C8B-B14F-4D97-AF65-F5344CB8AC3E}">
